--- a/3차발표_2015180023엄동연.pptx
+++ b/3차발표_2015180023엄동연.pptx
@@ -3293,14 +3293,14 @@
           <p:nvPr>
             <p:extLst>
               <p:ext uri="{D42A27DB-BD31-4B8C-83A1-F6EECF244321}">
-                <p14:modId xmlns:p14="http://schemas.microsoft.com/office/powerpoint/2010/main" val="803628208"/>
+                <p14:modId xmlns:p14="http://schemas.microsoft.com/office/powerpoint/2010/main" val="1760384264"/>
               </p:ext>
             </p:extLst>
           </p:nvPr>
         </p:nvGraphicFramePr>
         <p:xfrm>
-          <a:off x="124289" y="142047"/>
-          <a:ext cx="11904955" cy="6622740"/>
+          <a:off x="195308" y="516551"/>
+          <a:ext cx="11683015" cy="6150580"/>
         </p:xfrm>
         <a:graphic>
           <a:graphicData uri="http://schemas.openxmlformats.org/drawingml/2006/table">
@@ -3309,35 +3309,35 @@
                 <a:tableStyleId>{69CF1AB2-1976-4502-BF36-3FF5EA218861}</a:tableStyleId>
               </a:tblPr>
               <a:tblGrid>
-                <a:gridCol w="1212043">
+                <a:gridCol w="1189447">
                   <a:extLst>
                     <a:ext uri="{9D8B030D-6E8A-4147-A177-3AD203B41FA5}">
                       <a16:colId xmlns:a16="http://schemas.microsoft.com/office/drawing/2014/main" val="20000"/>
                     </a:ext>
                   </a:extLst>
                 </a:gridCol>
-                <a:gridCol w="3959339">
+                <a:gridCol w="3885526">
                   <a:extLst>
                     <a:ext uri="{9D8B030D-6E8A-4147-A177-3AD203B41FA5}">
                       <a16:colId xmlns:a16="http://schemas.microsoft.com/office/drawing/2014/main" val="20001"/>
                     </a:ext>
                   </a:extLst>
                 </a:gridCol>
-                <a:gridCol w="2812777">
+                <a:gridCol w="2760339">
                   <a:extLst>
                     <a:ext uri="{9D8B030D-6E8A-4147-A177-3AD203B41FA5}">
                       <a16:colId xmlns:a16="http://schemas.microsoft.com/office/drawing/2014/main" val="1602612327"/>
                     </a:ext>
                   </a:extLst>
                 </a:gridCol>
-                <a:gridCol w="2237403">
+                <a:gridCol w="2195692">
                   <a:extLst>
                     <a:ext uri="{9D8B030D-6E8A-4147-A177-3AD203B41FA5}">
                       <a16:colId xmlns:a16="http://schemas.microsoft.com/office/drawing/2014/main" val="2228832755"/>
                     </a:ext>
                   </a:extLst>
                 </a:gridCol>
-                <a:gridCol w="1683393">
+                <a:gridCol w="1652011">
                   <a:extLst>
                     <a:ext uri="{9D8B030D-6E8A-4147-A177-3AD203B41FA5}">
                       <a16:colId xmlns:a16="http://schemas.microsoft.com/office/drawing/2014/main" val="825314815"/>
@@ -3345,7 +3345,7 @@
                   </a:extLst>
                 </a:gridCol>
               </a:tblGrid>
-              <a:tr h="498456">
+              <a:tr h="431173">
                 <a:tc>
                   <a:txBody>
                     <a:bodyPr/>
@@ -3607,7 +3607,7 @@
                   </a:ext>
                 </a:extLst>
               </a:tr>
-              <a:tr h="783300">
+              <a:tr h="677569">
                 <a:tc>
                   <a:txBody>
                     <a:bodyPr/>
@@ -3914,7 +3914,7 @@
                   </a:ext>
                 </a:extLst>
               </a:tr>
-              <a:tr h="850308">
+              <a:tr h="822960">
                 <a:tc>
                   <a:txBody>
                     <a:bodyPr/>
@@ -4383,7 +4383,7 @@
                   </a:ext>
                 </a:extLst>
               </a:tr>
-              <a:tr h="588704">
+              <a:tr h="509239">
                 <a:tc>
                   <a:txBody>
                     <a:bodyPr/>
@@ -4729,7 +4729,7 @@
                   </a:ext>
                 </a:extLst>
               </a:tr>
-              <a:tr h="588704">
+              <a:tr h="509239">
                 <a:tc>
                   <a:txBody>
                     <a:bodyPr/>
@@ -5059,7 +5059,7 @@
                   </a:ext>
                 </a:extLst>
               </a:tr>
-              <a:tr h="1231480">
+              <a:tr h="1188720">
                 <a:tc>
                   <a:txBody>
                     <a:bodyPr/>
@@ -5824,7 +5824,7 @@
                   </a:ext>
                 </a:extLst>
               </a:tr>
-              <a:tr h="1040894">
+              <a:tr h="1005840">
                 <a:tc>
                   <a:txBody>
                     <a:bodyPr/>
@@ -6472,7 +6472,7 @@
                   </a:ext>
                 </a:extLst>
               </a:tr>
-              <a:tr h="1040894">
+              <a:tr h="1005840">
                 <a:tc>
                   <a:txBody>
                     <a:bodyPr/>
@@ -7145,6 +7145,64 @@
           </a:graphicData>
         </a:graphic>
       </p:graphicFrame>
+      <p:sp>
+        <p:nvSpPr>
+          <p:cNvPr id="2" name="TextBox 1"/>
+          <p:cNvSpPr txBox="1"/>
+          <p:nvPr/>
+        </p:nvSpPr>
+        <p:spPr>
+          <a:xfrm>
+            <a:off x="150918" y="115410"/>
+            <a:ext cx="4889480" cy="369332"/>
+          </a:xfrm>
+          <a:prstGeom prst="rect">
+            <a:avLst/>
+          </a:prstGeom>
+          <a:noFill/>
+        </p:spPr>
+        <p:txBody>
+          <a:bodyPr wrap="none" rtlCol="0">
+            <a:spAutoFit/>
+          </a:bodyPr>
+          <a:lstStyle/>
+          <a:p>
+            <a:r>
+              <a:rPr lang="en-US" altLang="ko-KR" b="1" dirty="0">
+                <a:solidFill>
+                  <a:schemeClr val="bg1">
+                    <a:lumMod val="85000"/>
+                    <a:lumOff val="15000"/>
+                  </a:schemeClr>
+                </a:solidFill>
+                <a:latin typeface="+mn-ea"/>
+              </a:rPr>
+              <a:t>1</a:t>
+            </a:r>
+            <a:r>
+              <a:rPr lang="ko-KR" altLang="en-US" b="1" dirty="0">
+                <a:solidFill>
+                  <a:schemeClr val="bg1">
+                    <a:lumMod val="85000"/>
+                    <a:lumOff val="15000"/>
+                  </a:schemeClr>
+                </a:solidFill>
+                <a:latin typeface="+mn-ea"/>
+              </a:rPr>
+              <a:t>차 발표 목표 개발 범위 대비 실제 개발 범위</a:t>
+            </a:r>
+            <a:endParaRPr lang="ko-KR" altLang="en-US" b="1" dirty="0">
+              <a:solidFill>
+                <a:schemeClr val="bg1">
+                  <a:lumMod val="85000"/>
+                  <a:lumOff val="15000"/>
+                </a:schemeClr>
+              </a:solidFill>
+              <a:latin typeface="+mn-ea"/>
+            </a:endParaRPr>
+          </a:p>
+        </p:txBody>
+      </p:sp>
     </p:spTree>
     <p:extLst>
       <p:ext uri="{BB962C8B-B14F-4D97-AF65-F5344CB8AC3E}">
